--- a/how2heap/fastbin_reverse_into_tcache/fastbin_reverse_into_tcache.pptx
+++ b/how2heap/fastbin_reverse_into_tcache/fastbin_reverse_into_tcache.pptx
@@ -258,7 +258,7 @@
           <a:p>
             <a:fld id="{867CF7D2-9367-45E5-B2E7-A967028F5BE8}" type="datetimeFigureOut">
               <a:rPr lang="zh-CN" altLang="en-US" smtClean="0"/>
-              <a:t>2025/5/16</a:t>
+              <a:t>2025/5/27</a:t>
             </a:fld>
             <a:endParaRPr lang="zh-CN" altLang="en-US"/>
           </a:p>
@@ -428,7 +428,7 @@
           <a:p>
             <a:fld id="{867CF7D2-9367-45E5-B2E7-A967028F5BE8}" type="datetimeFigureOut">
               <a:rPr lang="zh-CN" altLang="en-US" smtClean="0"/>
-              <a:t>2025/5/16</a:t>
+              <a:t>2025/5/27</a:t>
             </a:fld>
             <a:endParaRPr lang="zh-CN" altLang="en-US"/>
           </a:p>
@@ -608,7 +608,7 @@
           <a:p>
             <a:fld id="{867CF7D2-9367-45E5-B2E7-A967028F5BE8}" type="datetimeFigureOut">
               <a:rPr lang="zh-CN" altLang="en-US" smtClean="0"/>
-              <a:t>2025/5/16</a:t>
+              <a:t>2025/5/27</a:t>
             </a:fld>
             <a:endParaRPr lang="zh-CN" altLang="en-US"/>
           </a:p>
@@ -778,7 +778,7 @@
           <a:p>
             <a:fld id="{867CF7D2-9367-45E5-B2E7-A967028F5BE8}" type="datetimeFigureOut">
               <a:rPr lang="zh-CN" altLang="en-US" smtClean="0"/>
-              <a:t>2025/5/16</a:t>
+              <a:t>2025/5/27</a:t>
             </a:fld>
             <a:endParaRPr lang="zh-CN" altLang="en-US"/>
           </a:p>
@@ -1024,7 +1024,7 @@
           <a:p>
             <a:fld id="{867CF7D2-9367-45E5-B2E7-A967028F5BE8}" type="datetimeFigureOut">
               <a:rPr lang="zh-CN" altLang="en-US" smtClean="0"/>
-              <a:t>2025/5/16</a:t>
+              <a:t>2025/5/27</a:t>
             </a:fld>
             <a:endParaRPr lang="zh-CN" altLang="en-US"/>
           </a:p>
@@ -1256,7 +1256,7 @@
           <a:p>
             <a:fld id="{867CF7D2-9367-45E5-B2E7-A967028F5BE8}" type="datetimeFigureOut">
               <a:rPr lang="zh-CN" altLang="en-US" smtClean="0"/>
-              <a:t>2025/5/16</a:t>
+              <a:t>2025/5/27</a:t>
             </a:fld>
             <a:endParaRPr lang="zh-CN" altLang="en-US"/>
           </a:p>
@@ -1623,7 +1623,7 @@
           <a:p>
             <a:fld id="{867CF7D2-9367-45E5-B2E7-A967028F5BE8}" type="datetimeFigureOut">
               <a:rPr lang="zh-CN" altLang="en-US" smtClean="0"/>
-              <a:t>2025/5/16</a:t>
+              <a:t>2025/5/27</a:t>
             </a:fld>
             <a:endParaRPr lang="zh-CN" altLang="en-US"/>
           </a:p>
@@ -1741,7 +1741,7 @@
           <a:p>
             <a:fld id="{867CF7D2-9367-45E5-B2E7-A967028F5BE8}" type="datetimeFigureOut">
               <a:rPr lang="zh-CN" altLang="en-US" smtClean="0"/>
-              <a:t>2025/5/16</a:t>
+              <a:t>2025/5/27</a:t>
             </a:fld>
             <a:endParaRPr lang="zh-CN" altLang="en-US"/>
           </a:p>
@@ -1836,7 +1836,7 @@
           <a:p>
             <a:fld id="{867CF7D2-9367-45E5-B2E7-A967028F5BE8}" type="datetimeFigureOut">
               <a:rPr lang="zh-CN" altLang="en-US" smtClean="0"/>
-              <a:t>2025/5/16</a:t>
+              <a:t>2025/5/27</a:t>
             </a:fld>
             <a:endParaRPr lang="zh-CN" altLang="en-US"/>
           </a:p>
@@ -2113,7 +2113,7 @@
           <a:p>
             <a:fld id="{867CF7D2-9367-45E5-B2E7-A967028F5BE8}" type="datetimeFigureOut">
               <a:rPr lang="zh-CN" altLang="en-US" smtClean="0"/>
-              <a:t>2025/5/16</a:t>
+              <a:t>2025/5/27</a:t>
             </a:fld>
             <a:endParaRPr lang="zh-CN" altLang="en-US"/>
           </a:p>
@@ -2366,7 +2366,7 @@
           <a:p>
             <a:fld id="{867CF7D2-9367-45E5-B2E7-A967028F5BE8}" type="datetimeFigureOut">
               <a:rPr lang="zh-CN" altLang="en-US" smtClean="0"/>
-              <a:t>2025/5/16</a:t>
+              <a:t>2025/5/27</a:t>
             </a:fld>
             <a:endParaRPr lang="zh-CN" altLang="en-US"/>
           </a:p>
@@ -2579,7 +2579,7 @@
           <a:p>
             <a:fld id="{867CF7D2-9367-45E5-B2E7-A967028F5BE8}" type="datetimeFigureOut">
               <a:rPr lang="zh-CN" altLang="en-US" smtClean="0"/>
-              <a:t>2025/5/16</a:t>
+              <a:t>2025/5/27</a:t>
             </a:fld>
             <a:endParaRPr lang="zh-CN" altLang="en-US"/>
           </a:p>
@@ -2986,7 +2986,7 @@
       </p:grpSpPr>
       <p:pic>
         <p:nvPicPr>
-          <p:cNvPr id="5" name="图片 4"/>
+          <p:cNvPr id="2" name="图片 1"/>
           <p:cNvPicPr>
             <a:picLocks noChangeAspect="1"/>
           </p:cNvPicPr>
@@ -3522,7 +3522,7 @@
       </p:grpSpPr>
       <p:pic>
         <p:nvPicPr>
-          <p:cNvPr id="2" name="图片 1"/>
+          <p:cNvPr id="3" name="图片 2"/>
           <p:cNvPicPr>
             <a:picLocks noChangeAspect="1"/>
           </p:cNvPicPr>
@@ -3589,7 +3589,7 @@
       </p:grpSpPr>
       <p:pic>
         <p:nvPicPr>
-          <p:cNvPr id="2" name="图片 1"/>
+          <p:cNvPr id="3" name="图片 2"/>
           <p:cNvPicPr>
             <a:picLocks noChangeAspect="1"/>
           </p:cNvPicPr>
@@ -3656,7 +3656,7 @@
       </p:grpSpPr>
       <p:pic>
         <p:nvPicPr>
-          <p:cNvPr id="2" name="图片 1"/>
+          <p:cNvPr id="3" name="图片 2"/>
           <p:cNvPicPr>
             <a:picLocks noChangeAspect="1"/>
           </p:cNvPicPr>
@@ -3723,7 +3723,7 @@
       </p:grpSpPr>
       <p:pic>
         <p:nvPicPr>
-          <p:cNvPr id="2" name="图片 1"/>
+          <p:cNvPr id="3" name="图片 2"/>
           <p:cNvPicPr>
             <a:picLocks noChangeAspect="1"/>
           </p:cNvPicPr>
@@ -3790,7 +3790,7 @@
       </p:grpSpPr>
       <p:pic>
         <p:nvPicPr>
-          <p:cNvPr id="2" name="图片 1"/>
+          <p:cNvPr id="4" name="图片 3"/>
           <p:cNvPicPr>
             <a:picLocks noChangeAspect="1"/>
           </p:cNvPicPr>
@@ -3857,7 +3857,7 @@
       </p:grpSpPr>
       <p:pic>
         <p:nvPicPr>
-          <p:cNvPr id="2" name="图片 1"/>
+          <p:cNvPr id="4" name="图片 3"/>
           <p:cNvPicPr>
             <a:picLocks noChangeAspect="1"/>
           </p:cNvPicPr>
